--- a/ReinventWheel/Don't Reinvent.pptx
+++ b/ReinventWheel/Don't Reinvent.pptx
@@ -223,7 +223,7 @@
           <a:p>
             <a:fld id="{E2090794-6BC2-4F24-BA6E-3611D9799407}" type="datetimeFigureOut">
               <a:rPr lang="hu-HU" smtClean="0"/>
-              <a:t>2018. 04. 23.</a:t>
+              <a:t>2018. 04. 25.</a:t>
             </a:fld>
             <a:endParaRPr lang="hu-HU"/>
           </a:p>
@@ -393,7 +393,7 @@
           <a:p>
             <a:fld id="{68E12942-9543-4646-A6BF-81AB3457998B}" type="datetimeFigureOut">
               <a:rPr lang="hu-HU" smtClean="0"/>
-              <a:t>2018. 04. 23.</a:t>
+              <a:t>2018. 04. 25.</a:t>
             </a:fld>
             <a:endParaRPr lang="hu-HU"/>
           </a:p>
@@ -14324,11 +14324,7 @@
             </a:r>
             <a:r>
               <a:rPr lang="en-NZ" sz="5400" dirty="0" smtClean="0"/>
-              <a:t> STORY </a:t>
-            </a:r>
-            <a:r>
-              <a:rPr lang="en-NZ" sz="5400" dirty="0" smtClean="0"/>
-              <a:t>TIME!</a:t>
+              <a:t> STORY TIME!</a:t>
             </a:r>
             <a:endParaRPr lang="en-NZ" sz="1800" dirty="0"/>
           </a:p>
@@ -15084,13 +15080,7 @@
               <a:rPr lang="en-NZ" sz="3600" dirty="0">
                 <a:hlinkClick r:id="rId2"/>
               </a:rPr>
-              <a:t>http://</a:t>
-            </a:r>
-            <a:r>
-              <a:rPr lang="en-NZ" sz="3600" dirty="0" smtClean="0">
-                <a:hlinkClick r:id="rId2"/>
-              </a:rPr>
-              <a:t>bit.ly/TBD</a:t>
+              <a:t>http://bit.ly/WindosReinvent</a:t>
             </a:r>
             <a:endParaRPr lang="en-NZ" sz="3600" dirty="0" smtClean="0"/>
           </a:p>
